--- a/14 Custom components/custom components.pptx
+++ b/14 Custom components/custom components.pptx
@@ -3045,7 +3045,7 @@
             <a:fld id="{87731427-D242-475D-9180-8940013A50B8}" type="datetimeFigureOut">
               <a:rPr lang="en-GB" smtClean="0"/>
               <a:pPr algn="l"/>
-              <a:t>21/11/2016</a:t>
+              <a:t>16/03/2017</a:t>
             </a:fld>
             <a:endParaRPr lang="en-GB" dirty="0"/>
           </a:p>
@@ -3250,7 +3250,7 @@
             <a:fld id="{BA521D56-F1F4-41A0-82EB-989F4F6F400D}" type="datetimeFigureOut">
               <a:rPr lang="fr-FR" smtClean="0"/>
               <a:pPr/>
-              <a:t>21/11/2016</a:t>
+              <a:t>16/03/2017</a:t>
             </a:fld>
             <a:endParaRPr lang="fr-FR"/>
           </a:p>
@@ -11468,7 +11468,7 @@
       </p:sp>
       <p:pic>
         <p:nvPicPr>
-          <p:cNvPr id="8" name="Espace réservé pour une image  7"/>
+          <p:cNvPr id="14" name="Espace réservé pour une image  13"/>
           <p:cNvPicPr>
             <a:picLocks noGrp="1" noChangeAspect="1"/>
           </p:cNvPicPr>
@@ -11484,7 +11484,7 @@
               </a:ext>
             </a:extLst>
           </a:blip>
-          <a:srcRect t="31255" b="31255"/>
+          <a:srcRect t="22579" b="22579"/>
           <a:stretch>
             <a:fillRect/>
           </a:stretch>
